--- a/Dawn Prayer/Own/Facing Giants/Facing Giants.pptx
+++ b/Dawn Prayer/Own/Facing Giants/Facing Giants.pptx
@@ -22035,28 +22035,110 @@
       </p:sp>
       <p:pic>
         <p:nvPicPr>
-          <p:cNvPr id="1026" name="Picture 2" descr="E:\Documents\Ekklesia Valencia\MTC.jpg"/>
+          <p:cNvPr id="6" name="Picture 5"/>
           <p:cNvPicPr>
-            <a:picLocks noChangeAspect="1" noChangeArrowheads="1"/>
+            <a:picLocks noChangeAspect="1"/>
           </p:cNvPicPr>
           <p:nvPr/>
         </p:nvPicPr>
         <p:blipFill>
-          <a:blip r:embed="rId3"/>
-          <a:srcRect/>
+          <a:blip r:embed="rId3" cstate="print">
+            <a:extLst>
+              <a:ext uri="{28A0092B-C50C-407E-A947-70E740481C1C}">
+                <a14:useLocalDpi xmlns="" xmlns:a14="http://schemas.microsoft.com/office/drawing/2010/main" val="0"/>
+              </a:ext>
+            </a:extLst>
+          </a:blip>
           <a:stretch>
             <a:fillRect/>
           </a:stretch>
         </p:blipFill>
-        <p:spPr bwMode="auto">
+        <p:spPr>
           <a:xfrm>
-            <a:off x="762000" y="1809750"/>
-            <a:ext cx="2133600" cy="2133600"/>
+            <a:off x="3104554" y="2343150"/>
+            <a:ext cx="1467446" cy="1469634"/>
           </a:xfrm>
-          <a:prstGeom prst="rect">
+          <a:prstGeom prst="ellipse">
             <a:avLst/>
           </a:prstGeom>
-          <a:noFill/>
+          <a:ln w="63500" cap="rnd">
+            <a:solidFill>
+              <a:srgbClr val="333333"/>
+            </a:solidFill>
+          </a:ln>
+          <a:effectLst>
+            <a:outerShdw blurRad="381000" dist="292100" dir="5400000" sx="-80000" sy="-18000" rotWithShape="0">
+              <a:srgbClr val="000000">
+                <a:alpha val="22000"/>
+              </a:srgbClr>
+            </a:outerShdw>
+          </a:effectLst>
+          <a:scene3d>
+            <a:camera prst="orthographicFront"/>
+            <a:lightRig rig="contrasting" dir="t">
+              <a:rot lat="0" lon="0" rev="3000000"/>
+            </a:lightRig>
+          </a:scene3d>
+          <a:sp3d contourW="7620">
+            <a:bevelT w="95250" h="31750"/>
+            <a:contourClr>
+              <a:srgbClr val="333333"/>
+            </a:contourClr>
+          </a:sp3d>
+        </p:spPr>
+      </p:pic>
+      <p:pic>
+        <p:nvPicPr>
+          <p:cNvPr id="7" name="Picture 6"/>
+          <p:cNvPicPr>
+            <a:picLocks noChangeAspect="1"/>
+          </p:cNvPicPr>
+          <p:nvPr/>
+        </p:nvPicPr>
+        <p:blipFill>
+          <a:blip r:embed="rId4">
+            <a:extLst>
+              <a:ext uri="{28A0092B-C50C-407E-A947-70E740481C1C}">
+                <a14:useLocalDpi xmlns="" xmlns:a14="http://schemas.microsoft.com/office/drawing/2010/main" val="0"/>
+              </a:ext>
+            </a:extLst>
+          </a:blip>
+          <a:stretch>
+            <a:fillRect/>
+          </a:stretch>
+        </p:blipFill>
+        <p:spPr>
+          <a:xfrm>
+            <a:off x="4948477" y="2343150"/>
+            <a:ext cx="1452323" cy="1452323"/>
+          </a:xfrm>
+          <a:prstGeom prst="ellipse">
+            <a:avLst/>
+          </a:prstGeom>
+          <a:ln w="63500" cap="rnd">
+            <a:solidFill>
+              <a:srgbClr val="333333"/>
+            </a:solidFill>
+          </a:ln>
+          <a:effectLst>
+            <a:outerShdw blurRad="381000" dist="292100" dir="5400000" sx="-80000" sy="-18000" rotWithShape="0">
+              <a:srgbClr val="000000">
+                <a:alpha val="22000"/>
+              </a:srgbClr>
+            </a:outerShdw>
+          </a:effectLst>
+          <a:scene3d>
+            <a:camera prst="orthographicFront"/>
+            <a:lightRig rig="contrasting" dir="t">
+              <a:rot lat="0" lon="0" rev="3000000"/>
+            </a:lightRig>
+          </a:scene3d>
+          <a:sp3d contourW="7620">
+            <a:bevelT w="95250" h="31750"/>
+            <a:contourClr>
+              <a:srgbClr val="333333"/>
+            </a:contourClr>
+          </a:sp3d>
         </p:spPr>
       </p:pic>
     </p:spTree>
@@ -22064,6 +22146,13 @@
   <p:clrMapOvr>
     <a:masterClrMapping/>
   </p:clrMapOvr>
+  <p:timing>
+    <p:tnLst>
+      <p:par>
+        <p:cTn id="1" dur="indefinite" restart="never" nodeType="tmRoot"/>
+      </p:par>
+    </p:tnLst>
+  </p:timing>
 </p:sld>
 </file>
 
@@ -22120,7 +22209,7 @@
             </a:pPr>
             <a:r>
               <a:rPr lang="en" dirty="0" smtClean="0"/>
-              <a:t>Facing Giants</a:t>
+              <a:t>Facing the Giants</a:t>
             </a:r>
             <a:endParaRPr/>
           </a:p>
@@ -22131,6 +22220,13 @@
   <p:clrMapOvr>
     <a:masterClrMapping/>
   </p:clrMapOvr>
+  <p:timing>
+    <p:tnLst>
+      <p:par>
+        <p:cTn id="1" dur="indefinite" restart="never" nodeType="tmRoot"/>
+      </p:par>
+    </p:tnLst>
+  </p:timing>
 </p:sld>
 </file>
 
@@ -22187,44 +22283,6 @@
       </p:sp>
       <p:sp>
         <p:nvSpPr>
-          <p:cNvPr id="360" name="Google Shape;360;p14"/>
-          <p:cNvSpPr txBox="1">
-            <a:spLocks noGrp="1"/>
-          </p:cNvSpPr>
-          <p:nvPr>
-            <p:ph type="subTitle" idx="1"/>
-          </p:nvPr>
-        </p:nvSpPr>
-        <p:spPr>
-          <a:xfrm>
-            <a:off x="2743200" y="2821004"/>
-            <a:ext cx="5696100" cy="784800"/>
-          </a:xfrm>
-          <a:prstGeom prst="rect">
-            <a:avLst/>
-          </a:prstGeom>
-        </p:spPr>
-        <p:txBody>
-          <a:bodyPr spcFirstLastPara="1" wrap="square" lIns="91425" tIns="91425" rIns="91425" bIns="91425" anchor="t" anchorCtr="0">
-            <a:noAutofit/>
-          </a:bodyPr>
-          <a:lstStyle/>
-          <a:p>
-            <a:pPr marL="0" lvl="0" indent="0" algn="l" rtl="0">
-              <a:spcBef>
-                <a:spcPts val="0"/>
-              </a:spcBef>
-              <a:spcAft>
-                <a:spcPts val="0"/>
-              </a:spcAft>
-              <a:buNone/>
-            </a:pPr>
-            <a:endParaRPr/>
-          </a:p>
-        </p:txBody>
-      </p:sp>
-      <p:sp>
-        <p:nvSpPr>
           <p:cNvPr id="361" name="Google Shape;361;p14"/>
           <p:cNvSpPr txBox="1"/>
           <p:nvPr/>
@@ -22282,6 +22340,13 @@
   <p:clrMapOvr>
     <a:masterClrMapping/>
   </p:clrMapOvr>
+  <p:timing>
+    <p:tnLst>
+      <p:par>
+        <p:cTn id="1" dur="indefinite" restart="never" nodeType="tmRoot"/>
+      </p:par>
+    </p:tnLst>
+  </p:timing>
 </p:sld>
 </file>
 
@@ -22433,6 +22498,13 @@
   <p:clrMapOvr>
     <a:masterClrMapping/>
   </p:clrMapOvr>
+  <p:timing>
+    <p:tnLst>
+      <p:par>
+        <p:cTn id="1" dur="indefinite" restart="never" nodeType="tmRoot"/>
+      </p:par>
+    </p:tnLst>
+  </p:timing>
 </p:sld>
 </file>
 
